--- a/PPT/Microcontroller/单片机 课程设计.pptx
+++ b/PPT/Microcontroller/单片机 课程设计.pptx
@@ -263,7 +263,7 @@
               <a:pPr>
                 <a:defRPr/>
               </a:pPr>
-              <a:t>2019/6/4</a:t>
+              <a:t>2019/6/5</a:t>
             </a:fld>
             <a:endParaRPr lang="zh-CN" altLang="en-US"/>
           </a:p>
@@ -3087,11 +3087,7 @@
           <a:p>
             <a:r>
               <a:rPr lang="zh-CN" altLang="en-US" dirty="0" smtClean="0"/>
-              <a:t>单片机 课程</a:t>
-            </a:r>
-            <a:r>
-              <a:rPr lang="zh-CN" altLang="en-US" dirty="0" smtClean="0"/>
-              <a:t>设计</a:t>
+              <a:t>单片机 课程设计</a:t>
             </a:r>
             <a:endParaRPr lang="zh-CN" altLang="en-US" dirty="0"/>
           </a:p>
@@ -3163,11 +3159,7 @@
           <a:p>
             <a:r>
               <a:rPr lang="zh-CN" altLang="en-US" dirty="0" smtClean="0"/>
-              <a:t>单片机课程</a:t>
-            </a:r>
-            <a:r>
-              <a:rPr lang="zh-CN" altLang="en-US" dirty="0" smtClean="0"/>
-              <a:t>设计</a:t>
+              <a:t>单片机课程设计</a:t>
             </a:r>
             <a:endParaRPr lang="zh-CN" altLang="en-US" dirty="0"/>
           </a:p>
@@ -3265,13 +3257,7 @@
               <a:rPr lang="zh-CN" altLang="en-US" sz="2800" dirty="0" smtClean="0">
                 <a:latin typeface="Times New Roman" pitchFamily="18" charset="0"/>
               </a:rPr>
-              <a:t>）硬件</a:t>
-            </a:r>
-            <a:r>
-              <a:rPr lang="zh-CN" altLang="en-US" sz="2800" dirty="0" smtClean="0">
-                <a:latin typeface="Times New Roman" pitchFamily="18" charset="0"/>
-              </a:rPr>
-              <a:t>设计分析</a:t>
+              <a:t>）硬件设计分析</a:t>
             </a:r>
             <a:endParaRPr lang="zh-CN" altLang="en-US" sz="2800" dirty="0">
               <a:latin typeface="Times New Roman" pitchFamily="18" charset="0"/>
@@ -3291,13 +3277,7 @@
               <a:rPr lang="zh-CN" altLang="en-US" sz="2800" dirty="0" smtClean="0">
                 <a:latin typeface="Times New Roman" pitchFamily="18" charset="0"/>
               </a:rPr>
-              <a:t>）软件</a:t>
-            </a:r>
-            <a:r>
-              <a:rPr lang="zh-CN" altLang="en-US" sz="2800" dirty="0" smtClean="0">
-                <a:latin typeface="Times New Roman" pitchFamily="18" charset="0"/>
-              </a:rPr>
-              <a:t>设计分析</a:t>
+              <a:t>）软件设计分析</a:t>
             </a:r>
             <a:endParaRPr lang="zh-CN" altLang="en-US" sz="2800" dirty="0">
               <a:latin typeface="Times New Roman" pitchFamily="18" charset="0"/>
@@ -3385,11 +3365,7 @@
           <a:p>
             <a:r>
               <a:rPr lang="zh-CN" altLang="en-US" dirty="0" smtClean="0"/>
-              <a:t>单片机课程</a:t>
-            </a:r>
-            <a:r>
-              <a:rPr lang="zh-CN" altLang="en-US" dirty="0" smtClean="0"/>
-              <a:t>设计</a:t>
+              <a:t>单片机课程设计</a:t>
             </a:r>
             <a:endParaRPr lang="zh-CN" altLang="en-US" dirty="0"/>
           </a:p>
@@ -3519,11 +3495,7 @@
           <a:p>
             <a:r>
               <a:rPr lang="zh-CN" altLang="en-US" dirty="0" smtClean="0"/>
-              <a:t>单片机课程</a:t>
-            </a:r>
-            <a:r>
-              <a:rPr lang="zh-CN" altLang="en-US" dirty="0" smtClean="0"/>
-              <a:t>设计</a:t>
+              <a:t>单片机课程设计</a:t>
             </a:r>
             <a:endParaRPr lang="zh-CN" altLang="en-US" dirty="0"/>
           </a:p>
@@ -3584,11 +3556,7 @@
             </a:r>
             <a:r>
               <a:rPr lang="zh-CN" altLang="en-US" sz="2800" dirty="0" smtClean="0"/>
-              <a:t>仿真软件</a:t>
-            </a:r>
-            <a:r>
-              <a:rPr lang="zh-CN" altLang="en-US" sz="2800" dirty="0" smtClean="0"/>
-              <a:t>，按照题目要求，设计一套基于</a:t>
+              <a:t>仿真软件，按照题目要求，设计一套基于</a:t>
             </a:r>
             <a:r>
               <a:rPr lang="en-US" altLang="zh-CN" sz="2800" dirty="0" err="1" smtClean="0"/>
@@ -3649,11 +3617,7 @@
           <a:p>
             <a:r>
               <a:rPr lang="zh-CN" altLang="en-US" dirty="0" smtClean="0"/>
-              <a:t>单片机课程</a:t>
-            </a:r>
-            <a:r>
-              <a:rPr lang="zh-CN" altLang="en-US" dirty="0" smtClean="0"/>
-              <a:t>设计</a:t>
+              <a:t>单片机课程设计</a:t>
             </a:r>
             <a:endParaRPr lang="zh-CN" altLang="en-US" dirty="0"/>
           </a:p>
@@ -3835,11 +3799,7 @@
           <a:p>
             <a:r>
               <a:rPr lang="zh-CN" altLang="en-US" dirty="0" smtClean="0"/>
-              <a:t>单片机课程</a:t>
-            </a:r>
-            <a:r>
-              <a:rPr lang="zh-CN" altLang="en-US" dirty="0" smtClean="0"/>
-              <a:t>设计</a:t>
+              <a:t>单片机课程设计</a:t>
             </a:r>
             <a:endParaRPr lang="zh-CN" altLang="en-US" dirty="0"/>
           </a:p>
@@ -4038,11 +3998,7 @@
           <a:p>
             <a:r>
               <a:rPr lang="zh-CN" altLang="en-US" dirty="0" smtClean="0"/>
-              <a:t>单片机课程</a:t>
-            </a:r>
-            <a:r>
-              <a:rPr lang="zh-CN" altLang="en-US" dirty="0" smtClean="0"/>
-              <a:t>设计</a:t>
+              <a:t>单片机课程设计</a:t>
             </a:r>
             <a:endParaRPr lang="zh-CN" altLang="en-US" dirty="0"/>
           </a:p>
@@ -4085,11 +4041,7 @@
             </a:r>
             <a:r>
               <a:rPr lang="zh-CN" altLang="en-US" sz="2800" dirty="0" smtClean="0"/>
-              <a:t>数据采集系统</a:t>
-            </a:r>
-            <a:r>
-              <a:rPr lang="zh-CN" altLang="en-US" sz="2800" dirty="0" smtClean="0"/>
-              <a:t>设计</a:t>
+              <a:t>数据采集系统设计</a:t>
             </a:r>
             <a:endParaRPr lang="en-US" altLang="zh-CN" sz="2800" b="1" dirty="0" smtClean="0"/>
           </a:p>
@@ -4214,11 +4166,7 @@
           <a:p>
             <a:r>
               <a:rPr lang="zh-CN" altLang="en-US" dirty="0" smtClean="0"/>
-              <a:t>单片机课程</a:t>
-            </a:r>
-            <a:r>
-              <a:rPr lang="zh-CN" altLang="en-US" dirty="0" smtClean="0"/>
-              <a:t>设计</a:t>
+              <a:t>单片机课程设计</a:t>
             </a:r>
             <a:endParaRPr lang="zh-CN" altLang="en-US" dirty="0"/>
           </a:p>
@@ -4372,11 +4320,7 @@
           <a:p>
             <a:r>
               <a:rPr lang="zh-CN" altLang="en-US" dirty="0" smtClean="0"/>
-              <a:t>单片机课程</a:t>
-            </a:r>
-            <a:r>
-              <a:rPr lang="zh-CN" altLang="en-US" dirty="0" smtClean="0"/>
-              <a:t>设计</a:t>
+              <a:t>单片机课程设计</a:t>
             </a:r>
             <a:endParaRPr lang="zh-CN" altLang="en-US" dirty="0"/>
           </a:p>
@@ -4586,11 +4530,7 @@
           <a:p>
             <a:r>
               <a:rPr lang="zh-CN" altLang="en-US" dirty="0" smtClean="0"/>
-              <a:t>单片机课程</a:t>
-            </a:r>
-            <a:r>
-              <a:rPr lang="zh-CN" altLang="en-US" dirty="0" smtClean="0"/>
-              <a:t>设计</a:t>
+              <a:t>单片机课程设计</a:t>
             </a:r>
             <a:endParaRPr lang="zh-CN" altLang="en-US" dirty="0"/>
           </a:p>
@@ -4740,11 +4680,7 @@
           <a:p>
             <a:r>
               <a:rPr lang="zh-CN" altLang="en-US" dirty="0" smtClean="0"/>
-              <a:t>单片机课程</a:t>
-            </a:r>
-            <a:r>
-              <a:rPr lang="zh-CN" altLang="en-US" dirty="0" smtClean="0"/>
-              <a:t>设计</a:t>
+              <a:t>单片机课程设计</a:t>
             </a:r>
             <a:endParaRPr lang="zh-CN" altLang="en-US" dirty="0"/>
           </a:p>
@@ -4923,13 +4859,7 @@
               <a:rPr lang="zh-CN" altLang="en-US" sz="2800" dirty="0" smtClean="0">
                 <a:latin typeface="Times New Roman" pitchFamily="18" charset="0"/>
               </a:rPr>
-              <a:t>二进制文件</a:t>
-            </a:r>
-            <a:r>
-              <a:rPr lang="zh-CN" altLang="en-US" sz="2800" dirty="0" smtClean="0">
-                <a:latin typeface="Times New Roman" pitchFamily="18" charset="0"/>
-              </a:rPr>
-              <a:t>）</a:t>
+              <a:t>二进制文件）</a:t>
             </a:r>
             <a:endParaRPr lang="zh-CN" altLang="en-US" sz="2800" dirty="0">
               <a:latin typeface="Times New Roman" pitchFamily="18" charset="0"/>
